--- a/folded_gilbert/20230906中間発表/ポスター.pptx
+++ b/folded_gilbert/20230906中間発表/ポスター.pptx
@@ -104,6 +104,11 @@
       </a:defRPr>
     </a:lvl9pPr>
   </p:defaultTextStyle>
+  <p:extLst>
+    <p:ext uri="{EFAFB233-063F-42B5-8137-9DF3F51BA10A}">
+      <p15:sldGuideLst xmlns:p15="http://schemas.microsoft.com/office/powerpoint/2012/main"/>
+    </p:ext>
+  </p:extLst>
 </p:presentation>
 </file>
 
@@ -3787,11 +3792,11 @@
             </a:r>
             <a:r>
               <a:rPr kumimoji="1" lang="en-US" altLang="ja-JP" sz="1600" dirty="0"/>
-              <a:t>4</a:t>
+              <a:t>B4</a:t>
             </a:r>
             <a:r>
               <a:rPr kumimoji="1" lang="ja-JP" altLang="en-US" sz="1600" dirty="0"/>
-              <a:t>年　小島 光</a:t>
+              <a:t>　小島 光</a:t>
             </a:r>
           </a:p>
         </p:txBody>
@@ -4749,8 +4754,8 @@
           </a:p>
         </p:txBody>
       </p:sp>
-      <mc:AlternateContent xmlns:mc="http://schemas.openxmlformats.org/markup-compatibility/2006">
-        <mc:Choice xmlns:a14="http://schemas.microsoft.com/office/drawing/2010/main" Requires="a14">
+      <mc:AlternateContent xmlns:mc="http://schemas.openxmlformats.org/markup-compatibility/2006" xmlns:a14="http://schemas.microsoft.com/office/drawing/2010/main">
+        <mc:Choice Requires="a14">
           <p:sp>
             <p:nvSpPr>
               <p:cNvPr id="35" name="テキスト ボックス 34">
@@ -4874,7 +4879,7 @@
             </p:txBody>
           </p:sp>
         </mc:Choice>
-        <mc:Fallback>
+        <mc:Fallback xmlns="">
           <p:sp>
             <p:nvSpPr>
               <p:cNvPr id="35" name="テキスト ボックス 34">
@@ -4919,8 +4924,8 @@
           </p:sp>
         </mc:Fallback>
       </mc:AlternateContent>
-      <mc:AlternateContent xmlns:mc="http://schemas.openxmlformats.org/markup-compatibility/2006">
-        <mc:Choice xmlns:a14="http://schemas.microsoft.com/office/drawing/2010/main" Requires="a14">
+      <mc:AlternateContent xmlns:mc="http://schemas.openxmlformats.org/markup-compatibility/2006" xmlns:a14="http://schemas.microsoft.com/office/drawing/2010/main">
+        <mc:Choice Requires="a14">
           <p:sp>
             <p:nvSpPr>
               <p:cNvPr id="36" name="テキスト ボックス 35">
@@ -5008,7 +5013,7 @@
             </p:txBody>
           </p:sp>
         </mc:Choice>
-        <mc:Fallback>
+        <mc:Fallback xmlns="">
           <p:sp>
             <p:nvSpPr>
               <p:cNvPr id="36" name="テキスト ボックス 35">

--- a/folded_gilbert/20230906中間発表/ポスター.pptx
+++ b/folded_gilbert/20230906中間発表/ポスター.pptx
@@ -3676,7 +3676,7 @@
         </p:nvSpPr>
         <p:spPr>
           <a:xfrm>
-            <a:off x="259080" y="267596"/>
+            <a:off x="259080" y="186914"/>
             <a:ext cx="6339840" cy="1304544"/>
           </a:xfrm>
           <a:prstGeom prst="rect">
@@ -5596,6 +5596,43 @@
               <a:t>集積化に向けてレイアウトを考える。</a:t>
             </a:r>
             <a:endParaRPr kumimoji="1" lang="ja-JP" altLang="en-US" sz="1000" dirty="0"/>
+          </a:p>
+        </p:txBody>
+      </p:sp>
+      <p:sp>
+        <p:nvSpPr>
+          <p:cNvPr id="2" name="テキスト ボックス 1">
+            <a:extLst>
+              <a:ext uri="{FF2B5EF4-FFF2-40B4-BE49-F238E27FC236}">
+                <a16:creationId xmlns:a16="http://schemas.microsoft.com/office/drawing/2014/main" id="{65268018-E337-66C2-9660-168059C265AC}"/>
+              </a:ext>
+            </a:extLst>
+          </p:cNvPr>
+          <p:cNvSpPr txBox="1"/>
+          <p:nvPr/>
+        </p:nvSpPr>
+        <p:spPr>
+          <a:xfrm>
+            <a:off x="220728" y="1206449"/>
+            <a:ext cx="1025397" cy="261610"/>
+          </a:xfrm>
+          <a:prstGeom prst="rect">
+            <a:avLst/>
+          </a:prstGeom>
+          <a:noFill/>
+        </p:spPr>
+        <p:txBody>
+          <a:bodyPr wrap="square" rtlCol="0">
+            <a:spAutoFit/>
+          </a:bodyPr>
+          <a:lstStyle/>
+          <a:p>
+            <a:pPr algn="ctr"/>
+            <a:r>
+              <a:rPr kumimoji="1" lang="en-US" altLang="ja-JP" sz="1100" dirty="0"/>
+              <a:t>4-10</a:t>
+            </a:r>
+            <a:endParaRPr kumimoji="1" lang="ja-JP" altLang="en-US" sz="1100" dirty="0"/>
           </a:p>
         </p:txBody>
       </p:sp>
